--- a/Презентация Проект по МО.pptx
+++ b/Презентация Проект по МО.pptx
@@ -23,6 +23,11 @@
     <p:sldId id="271" r:id="rId17"/>
     <p:sldId id="272" r:id="rId18"/>
     <p:sldId id="273" r:id="rId19"/>
+    <p:sldId id="274" r:id="rId20"/>
+    <p:sldId id="275" r:id="rId21"/>
+    <p:sldId id="276" r:id="rId22"/>
+    <p:sldId id="277" r:id="rId23"/>
+    <p:sldId id="278" r:id="rId24"/>
   </p:sldIdLst>
   <p:sldSz cx="12192000" cy="6858000"/>
   <p:notesSz cx="6858000" cy="9144000"/>
@@ -22631,6 +22636,126 @@
 </p:sld>
 </file>
 
+<file path=ppt/slides/slide19.xml><?xml version="1.0" encoding="utf-8"?>
+<p:sld xmlns:a="http://schemas.openxmlformats.org/drawingml/2006/main" xmlns:r="http://schemas.openxmlformats.org/officeDocument/2006/relationships" xmlns:p="http://schemas.openxmlformats.org/presentationml/2006/main">
+  <p:cSld>
+    <p:spTree>
+      <p:nvGrpSpPr>
+        <p:cNvPr id="1" name=""/>
+        <p:cNvGrpSpPr/>
+        <p:nvPr/>
+      </p:nvGrpSpPr>
+      <p:grpSpPr>
+        <a:xfrm>
+          <a:off x="0" y="0"/>
+          <a:ext cx="0" cy="0"/>
+          <a:chOff x="0" y="0"/>
+          <a:chExt cx="0" cy="0"/>
+        </a:xfrm>
+      </p:grpSpPr>
+      <p:sp>
+        <p:nvSpPr>
+          <p:cNvPr id="2" name="Заголовок 1">
+            <a:extLst>
+              <a:ext uri="{FF2B5EF4-FFF2-40B4-BE49-F238E27FC236}">
+                <a16:creationId xmlns:a16="http://schemas.microsoft.com/office/drawing/2014/main" id="{71C6CF09-F9EE-F24F-A53B-E2B7BAD068C5}"/>
+              </a:ext>
+            </a:extLst>
+          </p:cNvPr>
+          <p:cNvSpPr>
+            <a:spLocks noGrp="1"/>
+          </p:cNvSpPr>
+          <p:nvPr>
+            <p:ph type="title"/>
+          </p:nvPr>
+        </p:nvSpPr>
+        <p:spPr/>
+        <p:txBody>
+          <a:bodyPr/>
+          <a:lstStyle/>
+          <a:p>
+            <a:r>
+              <a:rPr lang="ru-RU" dirty="0"/>
+              <a:t>Примеры работы программы:</a:t>
+            </a:r>
+          </a:p>
+        </p:txBody>
+      </p:sp>
+      <p:sp>
+        <p:nvSpPr>
+          <p:cNvPr id="4" name="Объект 3">
+            <a:extLst>
+              <a:ext uri="{FF2B5EF4-FFF2-40B4-BE49-F238E27FC236}">
+                <a16:creationId xmlns:a16="http://schemas.microsoft.com/office/drawing/2014/main" id="{C7F2A052-A796-E243-BCAE-37C30EC6D464}"/>
+              </a:ext>
+            </a:extLst>
+          </p:cNvPr>
+          <p:cNvSpPr>
+            <a:spLocks noGrp="1"/>
+          </p:cNvSpPr>
+          <p:nvPr>
+            <p:ph sz="half" idx="1"/>
+          </p:nvPr>
+        </p:nvSpPr>
+        <p:spPr>
+          <a:xfrm>
+            <a:off x="1371600" y="1509824"/>
+            <a:ext cx="4447786" cy="457200"/>
+          </a:xfrm>
+        </p:spPr>
+        <p:txBody>
+          <a:bodyPr/>
+          <a:lstStyle/>
+          <a:p>
+            <a:r>
+              <a:rPr lang="ru-RU" dirty="0"/>
+              <a:t>Режим 2 («невероятно»)</a:t>
+            </a:r>
+          </a:p>
+        </p:txBody>
+      </p:sp>
+      <p:pic>
+        <p:nvPicPr>
+          <p:cNvPr id="7" name="Объект 6" descr="Изображение выглядит как снимок экрана&#10;&#10;Автоматически созданное описание">
+            <a:extLst>
+              <a:ext uri="{FF2B5EF4-FFF2-40B4-BE49-F238E27FC236}">
+                <a16:creationId xmlns:a16="http://schemas.microsoft.com/office/drawing/2014/main" id="{9A2072D3-90F2-C14F-A393-9EDB1C85DC93}"/>
+              </a:ext>
+            </a:extLst>
+          </p:cNvPr>
+          <p:cNvPicPr>
+            <a:picLocks noGrp="1" noChangeAspect="1"/>
+          </p:cNvPicPr>
+          <p:nvPr>
+            <p:ph sz="half" idx="2"/>
+          </p:nvPr>
+        </p:nvPicPr>
+        <p:blipFill>
+          <a:blip r:embed="rId2"/>
+          <a:stretch>
+            <a:fillRect/>
+          </a:stretch>
+        </p:blipFill>
+        <p:spPr>
+          <a:xfrm>
+            <a:off x="843557" y="2233030"/>
+            <a:ext cx="11211161" cy="3306340"/>
+          </a:xfrm>
+        </p:spPr>
+      </p:pic>
+    </p:spTree>
+    <p:extLst>
+      <p:ext uri="{BB962C8B-B14F-4D97-AF65-F5344CB8AC3E}">
+        <p14:creationId xmlns:p14="http://schemas.microsoft.com/office/powerpoint/2010/main" val="149966967"/>
+      </p:ext>
+    </p:extLst>
+  </p:cSld>
+  <p:clrMapOvr>
+    <a:masterClrMapping/>
+  </p:clrMapOvr>
+</p:sld>
+</file>
+
 <file path=ppt/slides/slide2.xml><?xml version="1.0" encoding="utf-8"?>
 <p:sld xmlns:a="http://schemas.openxmlformats.org/drawingml/2006/main" xmlns:r="http://schemas.openxmlformats.org/officeDocument/2006/relationships" xmlns:p="http://schemas.openxmlformats.org/presentationml/2006/main">
   <p:cSld>
@@ -22749,6 +22874,325 @@
     <p:extLst>
       <p:ext uri="{BB962C8B-B14F-4D97-AF65-F5344CB8AC3E}">
         <p14:creationId xmlns:p14="http://schemas.microsoft.com/office/powerpoint/2010/main" val="2823775347"/>
+      </p:ext>
+    </p:extLst>
+  </p:cSld>
+  <p:clrMapOvr>
+    <a:masterClrMapping/>
+  </p:clrMapOvr>
+</p:sld>
+</file>
+
+<file path=ppt/slides/slide20.xml><?xml version="1.0" encoding="utf-8"?>
+<p:sld xmlns:a="http://schemas.openxmlformats.org/drawingml/2006/main" xmlns:r="http://schemas.openxmlformats.org/officeDocument/2006/relationships" xmlns:p="http://schemas.openxmlformats.org/presentationml/2006/main">
+  <p:cSld>
+    <p:spTree>
+      <p:nvGrpSpPr>
+        <p:cNvPr id="1" name=""/>
+        <p:cNvGrpSpPr/>
+        <p:nvPr/>
+      </p:nvGrpSpPr>
+      <p:grpSpPr>
+        <a:xfrm>
+          <a:off x="0" y="0"/>
+          <a:ext cx="0" cy="0"/>
+          <a:chOff x="0" y="0"/>
+          <a:chExt cx="0" cy="0"/>
+        </a:xfrm>
+      </p:grpSpPr>
+      <p:pic>
+        <p:nvPicPr>
+          <p:cNvPr id="6" name="Объект 5" descr="Изображение выглядит как снимок экрана&#10;&#10;Автоматически созданное описание">
+            <a:extLst>
+              <a:ext uri="{FF2B5EF4-FFF2-40B4-BE49-F238E27FC236}">
+                <a16:creationId xmlns:a16="http://schemas.microsoft.com/office/drawing/2014/main" id="{96AEA3A3-269B-DC43-BC8E-F89847774E68}"/>
+              </a:ext>
+            </a:extLst>
+          </p:cNvPr>
+          <p:cNvPicPr>
+            <a:picLocks noGrp="1" noChangeAspect="1"/>
+          </p:cNvPicPr>
+          <p:nvPr>
+            <p:ph sz="half" idx="2"/>
+          </p:nvPr>
+        </p:nvPicPr>
+        <p:blipFill>
+          <a:blip r:embed="rId2"/>
+          <a:stretch>
+            <a:fillRect/>
+          </a:stretch>
+        </p:blipFill>
+        <p:spPr>
+          <a:xfrm>
+            <a:off x="903767" y="808258"/>
+            <a:ext cx="11100391" cy="5241484"/>
+          </a:xfrm>
+        </p:spPr>
+      </p:pic>
+    </p:spTree>
+    <p:extLst>
+      <p:ext uri="{BB962C8B-B14F-4D97-AF65-F5344CB8AC3E}">
+        <p14:creationId xmlns:p14="http://schemas.microsoft.com/office/powerpoint/2010/main" val="681464477"/>
+      </p:ext>
+    </p:extLst>
+  </p:cSld>
+  <p:clrMapOvr>
+    <a:masterClrMapping/>
+  </p:clrMapOvr>
+</p:sld>
+</file>
+
+<file path=ppt/slides/slide21.xml><?xml version="1.0" encoding="utf-8"?>
+<p:sld xmlns:a="http://schemas.openxmlformats.org/drawingml/2006/main" xmlns:r="http://schemas.openxmlformats.org/officeDocument/2006/relationships" xmlns:p="http://schemas.openxmlformats.org/presentationml/2006/main">
+  <p:cSld>
+    <p:bg>
+      <p:bgPr>
+        <a:solidFill>
+          <a:schemeClr val="bg2"/>
+        </a:solidFill>
+        <a:effectLst/>
+      </p:bgPr>
+    </p:bg>
+    <p:spTree>
+      <p:nvGrpSpPr>
+        <p:cNvPr id="1" name=""/>
+        <p:cNvGrpSpPr/>
+        <p:nvPr/>
+      </p:nvGrpSpPr>
+      <p:grpSpPr>
+        <a:xfrm>
+          <a:off x="0" y="0"/>
+          <a:ext cx="0" cy="0"/>
+          <a:chOff x="0" y="0"/>
+          <a:chExt cx="0" cy="0"/>
+        </a:xfrm>
+      </p:grpSpPr>
+      <p:pic>
+        <p:nvPicPr>
+          <p:cNvPr id="6" name="Объект 5" descr="Изображение выглядит как снимок экрана&#10;&#10;Автоматически созданное описание">
+            <a:extLst>
+              <a:ext uri="{FF2B5EF4-FFF2-40B4-BE49-F238E27FC236}">
+                <a16:creationId xmlns:a16="http://schemas.microsoft.com/office/drawing/2014/main" id="{0A0A5930-7989-0447-BB27-B846C732EBFF}"/>
+              </a:ext>
+            </a:extLst>
+          </p:cNvPr>
+          <p:cNvPicPr>
+            <a:picLocks noGrp="1" noChangeAspect="1"/>
+          </p:cNvPicPr>
+          <p:nvPr>
+            <p:ph sz="half" idx="2"/>
+          </p:nvPr>
+        </p:nvPicPr>
+        <p:blipFill rotWithShape="1">
+          <a:blip r:embed="rId2"/>
+          <a:stretch/>
+        </p:blipFill>
+        <p:spPr>
+          <a:xfrm>
+            <a:off x="850606" y="329609"/>
+            <a:ext cx="11100389" cy="5815134"/>
+          </a:xfrm>
+          <a:prstGeom prst="rect">
+            <a:avLst/>
+          </a:prstGeom>
+        </p:spPr>
+      </p:pic>
+    </p:spTree>
+    <p:extLst>
+      <p:ext uri="{BB962C8B-B14F-4D97-AF65-F5344CB8AC3E}">
+        <p14:creationId xmlns:p14="http://schemas.microsoft.com/office/powerpoint/2010/main" val="1508526328"/>
+      </p:ext>
+    </p:extLst>
+  </p:cSld>
+  <p:clrMapOvr>
+    <a:masterClrMapping/>
+  </p:clrMapOvr>
+</p:sld>
+</file>
+
+<file path=ppt/slides/slide22.xml><?xml version="1.0" encoding="utf-8"?>
+<p:sld xmlns:a="http://schemas.openxmlformats.org/drawingml/2006/main" xmlns:r="http://schemas.openxmlformats.org/officeDocument/2006/relationships" xmlns:p="http://schemas.openxmlformats.org/presentationml/2006/main">
+  <p:cSld>
+    <p:spTree>
+      <p:nvGrpSpPr>
+        <p:cNvPr id="1" name=""/>
+        <p:cNvGrpSpPr/>
+        <p:nvPr/>
+      </p:nvGrpSpPr>
+      <p:grpSpPr>
+        <a:xfrm>
+          <a:off x="0" y="0"/>
+          <a:ext cx="0" cy="0"/>
+          <a:chOff x="0" y="0"/>
+          <a:chExt cx="0" cy="0"/>
+        </a:xfrm>
+      </p:grpSpPr>
+      <p:pic>
+        <p:nvPicPr>
+          <p:cNvPr id="6" name="Объект 5" descr="Изображение выглядит как снимок экрана&#10;&#10;Автоматически созданное описание">
+            <a:extLst>
+              <a:ext uri="{FF2B5EF4-FFF2-40B4-BE49-F238E27FC236}">
+                <a16:creationId xmlns:a16="http://schemas.microsoft.com/office/drawing/2014/main" id="{B9B98C0F-B38F-7840-ABAB-60453B5FE862}"/>
+              </a:ext>
+            </a:extLst>
+          </p:cNvPr>
+          <p:cNvPicPr>
+            <a:picLocks noGrp="1" noChangeAspect="1"/>
+          </p:cNvPicPr>
+          <p:nvPr>
+            <p:ph sz="half" idx="2"/>
+          </p:nvPr>
+        </p:nvPicPr>
+        <p:blipFill>
+          <a:blip r:embed="rId2"/>
+          <a:stretch>
+            <a:fillRect/>
+          </a:stretch>
+        </p:blipFill>
+        <p:spPr>
+          <a:xfrm>
+            <a:off x="870703" y="680484"/>
+            <a:ext cx="11129544" cy="4348716"/>
+          </a:xfrm>
+        </p:spPr>
+      </p:pic>
+    </p:spTree>
+    <p:extLst>
+      <p:ext uri="{BB962C8B-B14F-4D97-AF65-F5344CB8AC3E}">
+        <p14:creationId xmlns:p14="http://schemas.microsoft.com/office/powerpoint/2010/main" val="3472575960"/>
+      </p:ext>
+    </p:extLst>
+  </p:cSld>
+  <p:clrMapOvr>
+    <a:masterClrMapping/>
+  </p:clrMapOvr>
+</p:sld>
+</file>
+
+<file path=ppt/slides/slide23.xml><?xml version="1.0" encoding="utf-8"?>
+<p:sld xmlns:a="http://schemas.openxmlformats.org/drawingml/2006/main" xmlns:r="http://schemas.openxmlformats.org/officeDocument/2006/relationships" xmlns:p="http://schemas.openxmlformats.org/presentationml/2006/main">
+  <p:cSld>
+    <p:spTree>
+      <p:nvGrpSpPr>
+        <p:cNvPr id="1" name=""/>
+        <p:cNvGrpSpPr/>
+        <p:nvPr/>
+      </p:nvGrpSpPr>
+      <p:grpSpPr>
+        <a:xfrm>
+          <a:off x="0" y="0"/>
+          <a:ext cx="0" cy="0"/>
+          <a:chOff x="0" y="0"/>
+          <a:chExt cx="0" cy="0"/>
+        </a:xfrm>
+      </p:grpSpPr>
+      <p:sp>
+        <p:nvSpPr>
+          <p:cNvPr id="3" name="Объект 2">
+            <a:extLst>
+              <a:ext uri="{FF2B5EF4-FFF2-40B4-BE49-F238E27FC236}">
+                <a16:creationId xmlns:a16="http://schemas.microsoft.com/office/drawing/2014/main" id="{3BDA0986-9E7C-D44C-B51D-DD374AABA8FF}"/>
+              </a:ext>
+            </a:extLst>
+          </p:cNvPr>
+          <p:cNvSpPr>
+            <a:spLocks noGrp="1"/>
+          </p:cNvSpPr>
+          <p:nvPr>
+            <p:ph sz="half" idx="1"/>
+          </p:nvPr>
+        </p:nvSpPr>
+        <p:spPr>
+          <a:xfrm>
+            <a:off x="1275907" y="372139"/>
+            <a:ext cx="4447786" cy="552190"/>
+          </a:xfrm>
+        </p:spPr>
+        <p:txBody>
+          <a:bodyPr/>
+          <a:lstStyle/>
+          <a:p>
+            <a:r>
+              <a:rPr lang="ru-RU" dirty="0"/>
+              <a:t>Режим 1 («дольше»)</a:t>
+            </a:r>
+          </a:p>
+        </p:txBody>
+      </p:sp>
+      <p:pic>
+        <p:nvPicPr>
+          <p:cNvPr id="6" name="Объект 5" descr="Изображение выглядит как снимок экрана&#10;&#10;Автоматически созданное описание">
+            <a:extLst>
+              <a:ext uri="{FF2B5EF4-FFF2-40B4-BE49-F238E27FC236}">
+                <a16:creationId xmlns:a16="http://schemas.microsoft.com/office/drawing/2014/main" id="{58A5A668-AE84-5246-93A2-8679EB8F0501}"/>
+              </a:ext>
+            </a:extLst>
+          </p:cNvPr>
+          <p:cNvPicPr>
+            <a:picLocks noGrp="1" noChangeAspect="1"/>
+          </p:cNvPicPr>
+          <p:nvPr>
+            <p:ph sz="half" idx="2"/>
+          </p:nvPr>
+        </p:nvPicPr>
+        <p:blipFill>
+          <a:blip r:embed="rId2"/>
+          <a:stretch>
+            <a:fillRect/>
+          </a:stretch>
+        </p:blipFill>
+        <p:spPr>
+          <a:xfrm>
+            <a:off x="1275907" y="924329"/>
+            <a:ext cx="10242919" cy="5703898"/>
+          </a:xfrm>
+        </p:spPr>
+      </p:pic>
+      <p:cxnSp>
+        <p:nvCxnSpPr>
+          <p:cNvPr id="8" name="Прямая соединительная линия 7">
+            <a:extLst>
+              <a:ext uri="{FF2B5EF4-FFF2-40B4-BE49-F238E27FC236}">
+                <a16:creationId xmlns:a16="http://schemas.microsoft.com/office/drawing/2014/main" id="{3020FCEB-728D-2E42-B7FB-477AE943A45F}"/>
+              </a:ext>
+            </a:extLst>
+          </p:cNvPr>
+          <p:cNvCxnSpPr/>
+          <p:nvPr/>
+        </p:nvCxnSpPr>
+        <p:spPr>
+          <a:xfrm>
+            <a:off x="1275907" y="1935126"/>
+            <a:ext cx="2764465" cy="0"/>
+          </a:xfrm>
+          <a:prstGeom prst="line">
+            <a:avLst/>
+          </a:prstGeom>
+          <a:ln w="28575">
+            <a:solidFill>
+              <a:srgbClr val="FF0000"/>
+            </a:solidFill>
+          </a:ln>
+        </p:spPr>
+        <p:style>
+          <a:lnRef idx="1">
+            <a:schemeClr val="accent1"/>
+          </a:lnRef>
+          <a:fillRef idx="0">
+            <a:schemeClr val="accent1"/>
+          </a:fillRef>
+          <a:effectRef idx="0">
+            <a:schemeClr val="accent1"/>
+          </a:effectRef>
+          <a:fontRef idx="minor">
+            <a:schemeClr val="tx1"/>
+          </a:fontRef>
+        </p:style>
+      </p:cxnSp>
+    </p:spTree>
+    <p:extLst>
+      <p:ext uri="{BB962C8B-B14F-4D97-AF65-F5344CB8AC3E}">
+        <p14:creationId xmlns:p14="http://schemas.microsoft.com/office/powerpoint/2010/main" val="2812247110"/>
       </p:ext>
     </p:extLst>
   </p:cSld>
